--- a/images/language/Java_Collections_Framework/Java_Collections_Framework.pptx
+++ b/images/language/Java_Collections_Framework/Java_Collections_Framework.pptx
@@ -218,7 +218,7 @@
           <a:p>
             <a:fld id="{6CD5550B-26C4-49A9-A5BA-636EF7BE6CE9}" type="datetimeFigureOut">
               <a:rPr lang="ko-KR" altLang="en-US" smtClean="0"/>
-              <a:t>2018-01-10</a:t>
+              <a:t>2018-01-14</a:t>
             </a:fld>
             <a:endParaRPr lang="ko-KR" altLang="en-US"/>
           </a:p>
@@ -864,7 +864,7 @@
           <a:p>
             <a:fld id="{FB30EDBD-1C2D-4C1E-B459-B60219FAB484}" type="datetimeFigureOut">
               <a:rPr lang="ko-KR" altLang="en-US" smtClean="0"/>
-              <a:t>2018-01-10</a:t>
+              <a:t>2018-01-14</a:t>
             </a:fld>
             <a:endParaRPr lang="ko-KR" altLang="en-US"/>
           </a:p>
@@ -1027,7 +1027,7 @@
           <a:p>
             <a:fld id="{FB30EDBD-1C2D-4C1E-B459-B60219FAB484}" type="datetimeFigureOut">
               <a:rPr lang="ko-KR" altLang="en-US" smtClean="0"/>
-              <a:t>2018-01-10</a:t>
+              <a:t>2018-01-14</a:t>
             </a:fld>
             <a:endParaRPr lang="ko-KR" altLang="en-US"/>
           </a:p>
@@ -1200,7 +1200,7 @@
           <a:p>
             <a:fld id="{FB30EDBD-1C2D-4C1E-B459-B60219FAB484}" type="datetimeFigureOut">
               <a:rPr lang="ko-KR" altLang="en-US" smtClean="0"/>
-              <a:t>2018-01-10</a:t>
+              <a:t>2018-01-14</a:t>
             </a:fld>
             <a:endParaRPr lang="ko-KR" altLang="en-US"/>
           </a:p>
@@ -1363,7 +1363,7 @@
           <a:p>
             <a:fld id="{FB30EDBD-1C2D-4C1E-B459-B60219FAB484}" type="datetimeFigureOut">
               <a:rPr lang="ko-KR" altLang="en-US" smtClean="0"/>
-              <a:t>2018-01-10</a:t>
+              <a:t>2018-01-14</a:t>
             </a:fld>
             <a:endParaRPr lang="ko-KR" altLang="en-US"/>
           </a:p>
@@ -1603,7 +1603,7 @@
           <a:p>
             <a:fld id="{FB30EDBD-1C2D-4C1E-B459-B60219FAB484}" type="datetimeFigureOut">
               <a:rPr lang="ko-KR" altLang="en-US" smtClean="0"/>
-              <a:t>2018-01-10</a:t>
+              <a:t>2018-01-14</a:t>
             </a:fld>
             <a:endParaRPr lang="ko-KR" altLang="en-US"/>
           </a:p>
@@ -1883,7 +1883,7 @@
           <a:p>
             <a:fld id="{FB30EDBD-1C2D-4C1E-B459-B60219FAB484}" type="datetimeFigureOut">
               <a:rPr lang="ko-KR" altLang="en-US" smtClean="0"/>
-              <a:t>2018-01-10</a:t>
+              <a:t>2018-01-14</a:t>
             </a:fld>
             <a:endParaRPr lang="ko-KR" altLang="en-US"/>
           </a:p>
@@ -2297,7 +2297,7 @@
           <a:p>
             <a:fld id="{FB30EDBD-1C2D-4C1E-B459-B60219FAB484}" type="datetimeFigureOut">
               <a:rPr lang="ko-KR" altLang="en-US" smtClean="0"/>
-              <a:t>2018-01-10</a:t>
+              <a:t>2018-01-14</a:t>
             </a:fld>
             <a:endParaRPr lang="ko-KR" altLang="en-US"/>
           </a:p>
@@ -2409,7 +2409,7 @@
           <a:p>
             <a:fld id="{FB30EDBD-1C2D-4C1E-B459-B60219FAB484}" type="datetimeFigureOut">
               <a:rPr lang="ko-KR" altLang="en-US" smtClean="0"/>
-              <a:t>2018-01-10</a:t>
+              <a:t>2018-01-14</a:t>
             </a:fld>
             <a:endParaRPr lang="ko-KR" altLang="en-US"/>
           </a:p>
@@ -2499,7 +2499,7 @@
           <a:p>
             <a:fld id="{FB30EDBD-1C2D-4C1E-B459-B60219FAB484}" type="datetimeFigureOut">
               <a:rPr lang="ko-KR" altLang="en-US" smtClean="0"/>
-              <a:t>2018-01-10</a:t>
+              <a:t>2018-01-14</a:t>
             </a:fld>
             <a:endParaRPr lang="ko-KR" altLang="en-US"/>
           </a:p>
@@ -2769,7 +2769,7 @@
           <a:p>
             <a:fld id="{FB30EDBD-1C2D-4C1E-B459-B60219FAB484}" type="datetimeFigureOut">
               <a:rPr lang="ko-KR" altLang="en-US" smtClean="0"/>
-              <a:t>2018-01-10</a:t>
+              <a:t>2018-01-14</a:t>
             </a:fld>
             <a:endParaRPr lang="ko-KR" altLang="en-US"/>
           </a:p>
@@ -3016,7 +3016,7 @@
           <a:p>
             <a:fld id="{FB30EDBD-1C2D-4C1E-B459-B60219FAB484}" type="datetimeFigureOut">
               <a:rPr lang="ko-KR" altLang="en-US" smtClean="0"/>
-              <a:t>2018-01-10</a:t>
+              <a:t>2018-01-14</a:t>
             </a:fld>
             <a:endParaRPr lang="ko-KR" altLang="en-US"/>
           </a:p>
@@ -3222,7 +3222,7 @@
           <a:p>
             <a:fld id="{FB30EDBD-1C2D-4C1E-B459-B60219FAB484}" type="datetimeFigureOut">
               <a:rPr lang="ko-KR" altLang="en-US" smtClean="0"/>
-              <a:t>2018-01-10</a:t>
+              <a:t>2018-01-14</a:t>
             </a:fld>
             <a:endParaRPr lang="ko-KR" altLang="en-US"/>
           </a:p>
@@ -3636,7 +3636,7 @@
         </p:nvSpPr>
         <p:spPr>
           <a:xfrm>
-            <a:off x="3923928" y="1045890"/>
+            <a:off x="2964520" y="957467"/>
             <a:ext cx="1296144" cy="510902"/>
           </a:xfrm>
           <a:prstGeom prst="roundRect">
@@ -3691,7 +3691,7 @@
         </p:nvSpPr>
         <p:spPr>
           <a:xfrm>
-            <a:off x="1187624" y="1988840"/>
+            <a:off x="876288" y="1918521"/>
             <a:ext cx="1296144" cy="510902"/>
           </a:xfrm>
           <a:prstGeom prst="roundRect">
@@ -3746,7 +3746,7 @@
         </p:nvSpPr>
         <p:spPr>
           <a:xfrm>
-            <a:off x="3923928" y="1988840"/>
+            <a:off x="2964520" y="1900417"/>
             <a:ext cx="1296144" cy="510902"/>
           </a:xfrm>
           <a:prstGeom prst="roundRect">
@@ -3801,7 +3801,7 @@
         </p:nvSpPr>
         <p:spPr>
           <a:xfrm>
-            <a:off x="6660232" y="1988840"/>
+            <a:off x="5415035" y="1900417"/>
             <a:ext cx="1296144" cy="510902"/>
           </a:xfrm>
           <a:prstGeom prst="roundRect">
@@ -3837,61 +3837,6 @@
             <a:r>
               <a:rPr lang="en-US" altLang="ko-KR" sz="1200"/>
               <a:t>Queue</a:t>
-            </a:r>
-            <a:endParaRPr lang="ko-KR" altLang="en-US" sz="1200"/>
-          </a:p>
-        </p:txBody>
-      </p:sp>
-      <p:sp>
-        <p:nvSpPr>
-          <p:cNvPr id="26" name="사각형: 둥근 모서리 25">
-            <a:extLst>
-              <a:ext uri="{FF2B5EF4-FFF2-40B4-BE49-F238E27FC236}">
-                <a16:creationId xmlns:a16="http://schemas.microsoft.com/office/drawing/2014/main" id="{36C37E06-11B2-4645-B538-1704C7B7F2CB}"/>
-              </a:ext>
-            </a:extLst>
-          </p:cNvPr>
-          <p:cNvSpPr/>
-          <p:nvPr/>
-        </p:nvSpPr>
-        <p:spPr>
-          <a:xfrm>
-            <a:off x="2555776" y="2852936"/>
-            <a:ext cx="1296144" cy="510902"/>
-          </a:xfrm>
-          <a:prstGeom prst="roundRect">
-            <a:avLst/>
-          </a:prstGeom>
-        </p:spPr>
-        <p:style>
-          <a:lnRef idx="2">
-            <a:schemeClr val="dk1"/>
-          </a:lnRef>
-          <a:fillRef idx="1">
-            <a:schemeClr val="lt1"/>
-          </a:fillRef>
-          <a:effectRef idx="0">
-            <a:schemeClr val="dk1"/>
-          </a:effectRef>
-          <a:fontRef idx="minor">
-            <a:schemeClr val="dk1"/>
-          </a:fontRef>
-        </p:style>
-        <p:txBody>
-          <a:bodyPr rtlCol="0" anchor="ctr"/>
-          <a:lstStyle/>
-          <a:p>
-            <a:pPr algn="ctr"/>
-            <a:r>
-              <a:rPr lang="en-US" altLang="ko-KR" sz="1200"/>
-              <a:t>&lt;&lt;Interface&gt;&gt;</a:t>
-            </a:r>
-          </a:p>
-          <a:p>
-            <a:pPr algn="ctr"/>
-            <a:r>
-              <a:rPr lang="en-US" altLang="ko-KR" sz="1200" err="1"/>
-              <a:t>SortedSet</a:t>
             </a:r>
             <a:endParaRPr lang="ko-KR" altLang="en-US" sz="1200"/>
           </a:p>
@@ -3911,7 +3856,7 @@
         </p:nvSpPr>
         <p:spPr>
           <a:xfrm>
-            <a:off x="251520" y="3789040"/>
+            <a:off x="372510" y="2764513"/>
             <a:ext cx="1008112" cy="510902"/>
           </a:xfrm>
           <a:prstGeom prst="roundRect">
@@ -3959,7 +3904,7 @@
         </p:nvSpPr>
         <p:spPr>
           <a:xfrm>
-            <a:off x="1475656" y="3789040"/>
+            <a:off x="372232" y="3579862"/>
             <a:ext cx="1008112" cy="510902"/>
           </a:xfrm>
           <a:prstGeom prst="roundRect">
@@ -4014,7 +3959,7 @@
         </p:nvSpPr>
         <p:spPr>
           <a:xfrm>
-            <a:off x="2699792" y="3789040"/>
+            <a:off x="1740384" y="4437112"/>
             <a:ext cx="1008112" cy="510902"/>
           </a:xfrm>
           <a:prstGeom prst="roundRect">
@@ -4062,7 +4007,7 @@
         </p:nvSpPr>
         <p:spPr>
           <a:xfrm>
-            <a:off x="3923928" y="3789040"/>
+            <a:off x="3108536" y="3579862"/>
             <a:ext cx="1008112" cy="510902"/>
           </a:xfrm>
           <a:prstGeom prst="roundRect">
@@ -4110,7 +4055,7 @@
         </p:nvSpPr>
         <p:spPr>
           <a:xfrm>
-            <a:off x="5148064" y="3789040"/>
+            <a:off x="4306888" y="3579862"/>
             <a:ext cx="1008112" cy="510902"/>
           </a:xfrm>
           <a:prstGeom prst="roundRect">
@@ -4158,7 +4103,7 @@
         </p:nvSpPr>
         <p:spPr>
           <a:xfrm>
-            <a:off x="6372200" y="3789040"/>
+            <a:off x="5531024" y="3579862"/>
             <a:ext cx="1008112" cy="510902"/>
           </a:xfrm>
           <a:prstGeom prst="roundRect">
@@ -4206,7 +4151,7 @@
         </p:nvSpPr>
         <p:spPr>
           <a:xfrm>
-            <a:off x="7567131" y="3789040"/>
+            <a:off x="6736358" y="3579862"/>
             <a:ext cx="1008112" cy="510902"/>
           </a:xfrm>
           <a:prstGeom prst="roundRect">
@@ -4265,14 +4210,14 @@
         </p:nvCxnSpPr>
         <p:spPr>
           <a:xfrm flipV="1">
-            <a:off x="1835696" y="1556792"/>
-            <a:ext cx="2736304" cy="432048"/>
+            <a:off x="1524360" y="1468369"/>
+            <a:ext cx="2088232" cy="450152"/>
           </a:xfrm>
           <a:prstGeom prst="straightConnector1">
             <a:avLst/>
           </a:prstGeom>
           <a:ln w="28575">
-            <a:prstDash val="dash"/>
+            <a:prstDash val="solid"/>
             <a:headEnd type="none" w="med" len="med"/>
             <a:tailEnd type="arrow" w="med" len="med"/>
           </a:ln>
@@ -4310,13 +4255,14 @@
         </p:nvCxnSpPr>
         <p:spPr>
           <a:xfrm flipV="1">
-            <a:off x="755576" y="2499742"/>
-            <a:ext cx="1080120" cy="1289298"/>
+            <a:off x="876566" y="2429423"/>
+            <a:ext cx="647794" cy="335090"/>
           </a:xfrm>
           <a:prstGeom prst="straightConnector1">
             <a:avLst/>
           </a:prstGeom>
           <a:ln w="28575">
+            <a:prstDash val="dash"/>
             <a:headEnd type="none" w="med" len="med"/>
             <a:tailEnd type="arrow" w="med" len="med"/>
           </a:ln>
@@ -4348,14 +4294,14 @@
           <p:cNvCxnSpPr>
             <a:cxnSpLocks/>
             <a:stCxn id="30" idx="0"/>
-            <a:endCxn id="23" idx="2"/>
+            <a:endCxn id="27" idx="2"/>
           </p:cNvCxnSpPr>
           <p:nvPr/>
         </p:nvCxnSpPr>
         <p:spPr>
-          <a:xfrm flipH="1" flipV="1">
-            <a:off x="1835696" y="2499742"/>
-            <a:ext cx="144016" cy="1289298"/>
+          <a:xfrm flipV="1">
+            <a:off x="876288" y="3275415"/>
+            <a:ext cx="278" cy="304447"/>
           </a:xfrm>
           <a:prstGeom prst="straightConnector1">
             <a:avLst/>
@@ -4391,21 +4337,21 @@
           </p:cNvPr>
           <p:cNvCxnSpPr>
             <a:cxnSpLocks/>
-            <a:stCxn id="26" idx="0"/>
+            <a:stCxn id="56" idx="0"/>
             <a:endCxn id="23" idx="2"/>
           </p:cNvCxnSpPr>
           <p:nvPr/>
         </p:nvCxnSpPr>
         <p:spPr>
           <a:xfrm flipH="1" flipV="1">
-            <a:off x="1835696" y="2499742"/>
-            <a:ext cx="1368152" cy="353194"/>
+            <a:off x="1524360" y="2429423"/>
+            <a:ext cx="720080" cy="335090"/>
           </a:xfrm>
           <a:prstGeom prst="straightConnector1">
             <a:avLst/>
           </a:prstGeom>
           <a:ln w="28575">
-            <a:prstDash val="dash"/>
+            <a:prstDash val="solid"/>
             <a:headEnd type="none" w="med" len="med"/>
             <a:tailEnd type="arrow" w="med" len="med"/>
           </a:ln>
@@ -4437,19 +4383,20 @@
           <p:cNvCxnSpPr>
             <a:cxnSpLocks/>
             <a:stCxn id="31" idx="0"/>
-            <a:endCxn id="26" idx="2"/>
+            <a:endCxn id="39" idx="2"/>
           </p:cNvCxnSpPr>
           <p:nvPr/>
         </p:nvCxnSpPr>
         <p:spPr>
           <a:xfrm flipV="1">
-            <a:off x="3203848" y="3363838"/>
-            <a:ext cx="0" cy="425202"/>
+            <a:off x="2244440" y="4090764"/>
+            <a:ext cx="0" cy="346348"/>
           </a:xfrm>
           <a:prstGeom prst="straightConnector1">
             <a:avLst/>
           </a:prstGeom>
           <a:ln w="28575">
+            <a:prstDash val="dash"/>
             <a:headEnd type="none" w="med" len="med"/>
             <a:tailEnd type="arrow" w="med" len="med"/>
           </a:ln>
@@ -4487,13 +4434,14 @@
         </p:nvCxnSpPr>
         <p:spPr>
           <a:xfrm flipV="1">
-            <a:off x="4427984" y="2499742"/>
-            <a:ext cx="144016" cy="1289298"/>
+            <a:off x="3612592" y="2411319"/>
+            <a:ext cx="0" cy="1168543"/>
           </a:xfrm>
           <a:prstGeom prst="straightConnector1">
             <a:avLst/>
           </a:prstGeom>
           <a:ln w="28575">
+            <a:prstDash val="dash"/>
             <a:headEnd type="none" w="med" len="med"/>
             <a:tailEnd type="arrow" w="med" len="med"/>
           </a:ln>
@@ -4531,13 +4479,14 @@
         </p:nvCxnSpPr>
         <p:spPr>
           <a:xfrm flipH="1" flipV="1">
-            <a:off x="4572000" y="2499742"/>
-            <a:ext cx="1080120" cy="1289298"/>
+            <a:off x="3612592" y="2411319"/>
+            <a:ext cx="1198352" cy="1168543"/>
           </a:xfrm>
           <a:prstGeom prst="straightConnector1">
             <a:avLst/>
           </a:prstGeom>
           <a:ln w="28575">
+            <a:prstDash val="dash"/>
             <a:headEnd type="none" w="med" len="med"/>
             <a:tailEnd type="arrow" w="med" len="med"/>
           </a:ln>
@@ -4575,14 +4524,14 @@
         </p:nvCxnSpPr>
         <p:spPr>
           <a:xfrm flipH="1" flipV="1">
-            <a:off x="4572000" y="1556792"/>
-            <a:ext cx="2736304" cy="432048"/>
+            <a:off x="3612592" y="1468369"/>
+            <a:ext cx="2450515" cy="432048"/>
           </a:xfrm>
           <a:prstGeom prst="straightConnector1">
             <a:avLst/>
           </a:prstGeom>
           <a:ln w="28575">
-            <a:prstDash val="dash"/>
+            <a:prstDash val="solid"/>
             <a:headEnd type="none" w="med" len="med"/>
             <a:tailEnd type="arrow" w="med" len="med"/>
           </a:ln>
@@ -4620,14 +4569,14 @@
         </p:nvCxnSpPr>
         <p:spPr>
           <a:xfrm flipV="1">
-            <a:off x="4572000" y="1556792"/>
+            <a:off x="3612592" y="1468369"/>
             <a:ext cx="0" cy="432048"/>
           </a:xfrm>
           <a:prstGeom prst="straightConnector1">
             <a:avLst/>
           </a:prstGeom>
           <a:ln w="28575">
-            <a:prstDash val="dash"/>
+            <a:prstDash val="solid"/>
             <a:headEnd type="none" w="med" len="med"/>
             <a:tailEnd type="arrow" w="med" len="med"/>
           </a:ln>
@@ -4665,13 +4614,14 @@
         </p:nvCxnSpPr>
         <p:spPr>
           <a:xfrm flipV="1">
-            <a:off x="6876256" y="2499742"/>
-            <a:ext cx="432048" cy="1289298"/>
+            <a:off x="6035080" y="2411319"/>
+            <a:ext cx="28027" cy="1168543"/>
           </a:xfrm>
           <a:prstGeom prst="straightConnector1">
             <a:avLst/>
           </a:prstGeom>
           <a:ln w="28575">
+            <a:prstDash val="dash"/>
             <a:headEnd type="none" w="med" len="med"/>
             <a:tailEnd type="arrow" w="med" len="med"/>
           </a:ln>
@@ -4709,13 +4659,14 @@
         </p:nvCxnSpPr>
         <p:spPr>
           <a:xfrm flipH="1" flipV="1">
-            <a:off x="4572000" y="2499742"/>
-            <a:ext cx="2304256" cy="1289298"/>
+            <a:off x="3612592" y="2411319"/>
+            <a:ext cx="2422488" cy="1168543"/>
           </a:xfrm>
           <a:prstGeom prst="straightConnector1">
             <a:avLst/>
           </a:prstGeom>
           <a:ln w="28575">
+            <a:prstDash val="dash"/>
             <a:headEnd type="none" w="med" len="med"/>
             <a:tailEnd type="arrow" w="med" len="med"/>
           </a:ln>
@@ -4735,6 +4686,216 @@
           </a:fontRef>
         </p:style>
       </p:cxnSp>
+      <p:sp>
+        <p:nvSpPr>
+          <p:cNvPr id="56" name="사각형: 둥근 모서리 55">
+            <a:extLst>
+              <a:ext uri="{FF2B5EF4-FFF2-40B4-BE49-F238E27FC236}">
+                <a16:creationId xmlns:a16="http://schemas.microsoft.com/office/drawing/2014/main" id="{CE9BB14F-4ACD-4F06-A0CE-BB37867884F6}"/>
+              </a:ext>
+            </a:extLst>
+          </p:cNvPr>
+          <p:cNvSpPr/>
+          <p:nvPr/>
+        </p:nvSpPr>
+        <p:spPr>
+          <a:xfrm>
+            <a:off x="1596368" y="2764513"/>
+            <a:ext cx="1296144" cy="510902"/>
+          </a:xfrm>
+          <a:prstGeom prst="roundRect">
+            <a:avLst/>
+          </a:prstGeom>
+        </p:spPr>
+        <p:style>
+          <a:lnRef idx="2">
+            <a:schemeClr val="dk1"/>
+          </a:lnRef>
+          <a:fillRef idx="1">
+            <a:schemeClr val="lt1"/>
+          </a:fillRef>
+          <a:effectRef idx="0">
+            <a:schemeClr val="dk1"/>
+          </a:effectRef>
+          <a:fontRef idx="minor">
+            <a:schemeClr val="dk1"/>
+          </a:fontRef>
+        </p:style>
+        <p:txBody>
+          <a:bodyPr rtlCol="0" anchor="ctr"/>
+          <a:lstStyle/>
+          <a:p>
+            <a:pPr algn="ctr"/>
+            <a:r>
+              <a:rPr lang="en-US" altLang="ko-KR" sz="1200"/>
+              <a:t>&lt;&lt;Interface&gt;&gt;</a:t>
+            </a:r>
+          </a:p>
+          <a:p>
+            <a:pPr algn="ctr"/>
+            <a:r>
+              <a:rPr lang="en-US" altLang="ko-KR" sz="1200" err="1"/>
+              <a:t>SortedSet</a:t>
+            </a:r>
+            <a:endParaRPr lang="ko-KR" altLang="en-US" sz="1200"/>
+          </a:p>
+        </p:txBody>
+      </p:sp>
+      <p:sp>
+        <p:nvSpPr>
+          <p:cNvPr id="39" name="사각형: 둥근 모서리 38">
+            <a:extLst>
+              <a:ext uri="{FF2B5EF4-FFF2-40B4-BE49-F238E27FC236}">
+                <a16:creationId xmlns:a16="http://schemas.microsoft.com/office/drawing/2014/main" id="{8AF71904-491D-4378-9FA3-C35CCFA9D7B6}"/>
+              </a:ext>
+            </a:extLst>
+          </p:cNvPr>
+          <p:cNvSpPr/>
+          <p:nvPr/>
+        </p:nvSpPr>
+        <p:spPr>
+          <a:xfrm>
+            <a:off x="1596368" y="3579862"/>
+            <a:ext cx="1296144" cy="510902"/>
+          </a:xfrm>
+          <a:prstGeom prst="roundRect">
+            <a:avLst/>
+          </a:prstGeom>
+        </p:spPr>
+        <p:style>
+          <a:lnRef idx="2">
+            <a:schemeClr val="dk1"/>
+          </a:lnRef>
+          <a:fillRef idx="1">
+            <a:schemeClr val="lt1"/>
+          </a:fillRef>
+          <a:effectRef idx="0">
+            <a:schemeClr val="dk1"/>
+          </a:effectRef>
+          <a:fontRef idx="minor">
+            <a:schemeClr val="dk1"/>
+          </a:fontRef>
+        </p:style>
+        <p:txBody>
+          <a:bodyPr rtlCol="0" anchor="ctr"/>
+          <a:lstStyle/>
+          <a:p>
+            <a:pPr algn="ctr"/>
+            <a:r>
+              <a:rPr lang="en-US" altLang="ko-KR" sz="1200"/>
+              <a:t>&lt;&lt;Interface&gt;&gt;</a:t>
+            </a:r>
+          </a:p>
+          <a:p>
+            <a:pPr algn="ctr"/>
+            <a:r>
+              <a:rPr lang="en-US" altLang="ko-KR" sz="1200"/>
+              <a:t>NavigableSet</a:t>
+            </a:r>
+            <a:endParaRPr lang="ko-KR" altLang="en-US" sz="1200"/>
+          </a:p>
+        </p:txBody>
+      </p:sp>
+      <p:cxnSp>
+        <p:nvCxnSpPr>
+          <p:cNvPr id="41" name="직선 화살표 연결선 40">
+            <a:extLst>
+              <a:ext uri="{FF2B5EF4-FFF2-40B4-BE49-F238E27FC236}">
+                <a16:creationId xmlns:a16="http://schemas.microsoft.com/office/drawing/2014/main" id="{ABEBDF11-DA9C-4CF6-B7BC-50DE7DAAAE70}"/>
+              </a:ext>
+            </a:extLst>
+          </p:cNvPr>
+          <p:cNvCxnSpPr>
+            <a:cxnSpLocks/>
+            <a:stCxn id="39" idx="0"/>
+            <a:endCxn id="56" idx="2"/>
+          </p:cNvCxnSpPr>
+          <p:nvPr/>
+        </p:nvCxnSpPr>
+        <p:spPr>
+          <a:xfrm flipV="1">
+            <a:off x="2244440" y="3275415"/>
+            <a:ext cx="0" cy="304447"/>
+          </a:xfrm>
+          <a:prstGeom prst="straightConnector1">
+            <a:avLst/>
+          </a:prstGeom>
+          <a:ln w="28575">
+            <a:prstDash val="solid"/>
+            <a:headEnd type="none" w="med" len="med"/>
+            <a:tailEnd type="arrow" w="med" len="med"/>
+          </a:ln>
+        </p:spPr>
+        <p:style>
+          <a:lnRef idx="1">
+            <a:schemeClr val="dk1"/>
+          </a:lnRef>
+          <a:fillRef idx="0">
+            <a:schemeClr val="dk1"/>
+          </a:fillRef>
+          <a:effectRef idx="0">
+            <a:schemeClr val="dk1"/>
+          </a:effectRef>
+          <a:fontRef idx="minor">
+            <a:schemeClr val="tx1"/>
+          </a:fontRef>
+        </p:style>
+      </p:cxnSp>
+      <p:sp>
+        <p:nvSpPr>
+          <p:cNvPr id="55" name="사각형: 둥근 모서리 54">
+            <a:extLst>
+              <a:ext uri="{FF2B5EF4-FFF2-40B4-BE49-F238E27FC236}">
+                <a16:creationId xmlns:a16="http://schemas.microsoft.com/office/drawing/2014/main" id="{A97D3639-8111-409A-9CD1-BE86F80221F1}"/>
+              </a:ext>
+            </a:extLst>
+          </p:cNvPr>
+          <p:cNvSpPr/>
+          <p:nvPr/>
+        </p:nvSpPr>
+        <p:spPr>
+          <a:xfrm>
+            <a:off x="7140984" y="2740139"/>
+            <a:ext cx="1296144" cy="510902"/>
+          </a:xfrm>
+          <a:prstGeom prst="roundRect">
+            <a:avLst/>
+          </a:prstGeom>
+        </p:spPr>
+        <p:style>
+          <a:lnRef idx="2">
+            <a:schemeClr val="dk1"/>
+          </a:lnRef>
+          <a:fillRef idx="1">
+            <a:schemeClr val="lt1"/>
+          </a:fillRef>
+          <a:effectRef idx="0">
+            <a:schemeClr val="dk1"/>
+          </a:effectRef>
+          <a:fontRef idx="minor">
+            <a:schemeClr val="dk1"/>
+          </a:fontRef>
+        </p:style>
+        <p:txBody>
+          <a:bodyPr rtlCol="0" anchor="ctr"/>
+          <a:lstStyle/>
+          <a:p>
+            <a:pPr algn="ctr"/>
+            <a:r>
+              <a:rPr lang="en-US" altLang="ko-KR" sz="1200"/>
+              <a:t>&lt;&lt;Interface&gt;&gt;</a:t>
+            </a:r>
+          </a:p>
+          <a:p>
+            <a:pPr algn="ctr"/>
+            <a:r>
+              <a:rPr lang="en-US" altLang="ko-KR" sz="1200"/>
+              <a:t>Dequeue</a:t>
+            </a:r>
+            <a:endParaRPr lang="ko-KR" altLang="en-US" sz="1200"/>
+          </a:p>
+        </p:txBody>
+      </p:sp>
       <p:cxnSp>
         <p:nvCxnSpPr>
           <p:cNvPr id="49" name="직선 화살표 연결선 48">
@@ -4753,13 +4914,204 @@
         </p:nvCxnSpPr>
         <p:spPr>
           <a:xfrm flipH="1" flipV="1">
-            <a:off x="7308304" y="2499742"/>
-            <a:ext cx="762883" cy="1289298"/>
+            <a:off x="6063107" y="2411319"/>
+            <a:ext cx="1177307" cy="1168543"/>
           </a:xfrm>
           <a:prstGeom prst="straightConnector1">
             <a:avLst/>
           </a:prstGeom>
           <a:ln w="28575">
+            <a:prstDash val="dash"/>
+            <a:headEnd type="none" w="med" len="med"/>
+            <a:tailEnd type="arrow" w="med" len="med"/>
+          </a:ln>
+        </p:spPr>
+        <p:style>
+          <a:lnRef idx="1">
+            <a:schemeClr val="dk1"/>
+          </a:lnRef>
+          <a:fillRef idx="0">
+            <a:schemeClr val="dk1"/>
+          </a:fillRef>
+          <a:effectRef idx="0">
+            <a:schemeClr val="dk1"/>
+          </a:effectRef>
+          <a:fontRef idx="minor">
+            <a:schemeClr val="tx1"/>
+          </a:fontRef>
+        </p:style>
+      </p:cxnSp>
+      <p:cxnSp>
+        <p:nvCxnSpPr>
+          <p:cNvPr id="57" name="직선 화살표 연결선 56">
+            <a:extLst>
+              <a:ext uri="{FF2B5EF4-FFF2-40B4-BE49-F238E27FC236}">
+                <a16:creationId xmlns:a16="http://schemas.microsoft.com/office/drawing/2014/main" id="{3C6B15F2-E602-415D-B232-729CDD2E355F}"/>
+              </a:ext>
+            </a:extLst>
+          </p:cNvPr>
+          <p:cNvCxnSpPr>
+            <a:cxnSpLocks/>
+            <a:stCxn id="55" idx="0"/>
+            <a:endCxn id="25" idx="2"/>
+          </p:cNvCxnSpPr>
+          <p:nvPr/>
+        </p:nvCxnSpPr>
+        <p:spPr>
+          <a:xfrm flipH="1" flipV="1">
+            <a:off x="6063107" y="2411319"/>
+            <a:ext cx="1725949" cy="328820"/>
+          </a:xfrm>
+          <a:prstGeom prst="straightConnector1">
+            <a:avLst/>
+          </a:prstGeom>
+          <a:ln w="28575">
+            <a:prstDash val="solid"/>
+            <a:headEnd type="none" w="med" len="med"/>
+            <a:tailEnd type="arrow" w="med" len="med"/>
+          </a:ln>
+        </p:spPr>
+        <p:style>
+          <a:lnRef idx="1">
+            <a:schemeClr val="dk1"/>
+          </a:lnRef>
+          <a:fillRef idx="0">
+            <a:schemeClr val="dk1"/>
+          </a:fillRef>
+          <a:effectRef idx="0">
+            <a:schemeClr val="dk1"/>
+          </a:effectRef>
+          <a:fontRef idx="minor">
+            <a:schemeClr val="tx1"/>
+          </a:fontRef>
+        </p:style>
+      </p:cxnSp>
+      <p:cxnSp>
+        <p:nvCxnSpPr>
+          <p:cNvPr id="59" name="직선 화살표 연결선 58">
+            <a:extLst>
+              <a:ext uri="{FF2B5EF4-FFF2-40B4-BE49-F238E27FC236}">
+                <a16:creationId xmlns:a16="http://schemas.microsoft.com/office/drawing/2014/main" id="{A5F9509B-F60F-402E-A975-C17FACD8BC7C}"/>
+              </a:ext>
+            </a:extLst>
+          </p:cNvPr>
+          <p:cNvCxnSpPr>
+            <a:cxnSpLocks/>
+            <a:stCxn id="34" idx="0"/>
+            <a:endCxn id="55" idx="2"/>
+          </p:cNvCxnSpPr>
+          <p:nvPr/>
+        </p:nvCxnSpPr>
+        <p:spPr>
+          <a:xfrm flipV="1">
+            <a:off x="6035080" y="3251041"/>
+            <a:ext cx="1753976" cy="328821"/>
+          </a:xfrm>
+          <a:prstGeom prst="straightConnector1">
+            <a:avLst/>
+          </a:prstGeom>
+          <a:ln w="28575">
+            <a:prstDash val="dash"/>
+            <a:headEnd type="none" w="med" len="med"/>
+            <a:tailEnd type="arrow" w="med" len="med"/>
+          </a:ln>
+        </p:spPr>
+        <p:style>
+          <a:lnRef idx="1">
+            <a:schemeClr val="dk1"/>
+          </a:lnRef>
+          <a:fillRef idx="0">
+            <a:schemeClr val="dk1"/>
+          </a:fillRef>
+          <a:effectRef idx="0">
+            <a:schemeClr val="dk1"/>
+          </a:effectRef>
+          <a:fontRef idx="minor">
+            <a:schemeClr val="tx1"/>
+          </a:fontRef>
+        </p:style>
+      </p:cxnSp>
+      <p:sp>
+        <p:nvSpPr>
+          <p:cNvPr id="63" name="사각형: 둥근 모서리 62">
+            <a:extLst>
+              <a:ext uri="{FF2B5EF4-FFF2-40B4-BE49-F238E27FC236}">
+                <a16:creationId xmlns:a16="http://schemas.microsoft.com/office/drawing/2014/main" id="{150547B4-91A9-4E4A-9CB4-D565E49244F4}"/>
+              </a:ext>
+            </a:extLst>
+          </p:cNvPr>
+          <p:cNvSpPr/>
+          <p:nvPr/>
+        </p:nvSpPr>
+        <p:spPr>
+          <a:xfrm>
+            <a:off x="7956376" y="3579862"/>
+            <a:ext cx="1008112" cy="510902"/>
+          </a:xfrm>
+          <a:prstGeom prst="roundRect">
+            <a:avLst/>
+          </a:prstGeom>
+        </p:spPr>
+        <p:style>
+          <a:lnRef idx="2">
+            <a:schemeClr val="dk1"/>
+          </a:lnRef>
+          <a:fillRef idx="1">
+            <a:schemeClr val="lt1"/>
+          </a:fillRef>
+          <a:effectRef idx="0">
+            <a:schemeClr val="dk1"/>
+          </a:effectRef>
+          <a:fontRef idx="minor">
+            <a:schemeClr val="dk1"/>
+          </a:fontRef>
+        </p:style>
+        <p:txBody>
+          <a:bodyPr rtlCol="0" anchor="ctr"/>
+          <a:lstStyle/>
+          <a:p>
+            <a:pPr algn="ctr"/>
+            <a:r>
+              <a:rPr lang="en-US" altLang="ko-KR" sz="1200"/>
+              <a:t>Array</a:t>
+            </a:r>
+          </a:p>
+          <a:p>
+            <a:pPr algn="ctr"/>
+            <a:r>
+              <a:rPr lang="en-US" altLang="ko-KR" sz="1200"/>
+              <a:t>Dequeue</a:t>
+            </a:r>
+            <a:endParaRPr lang="ko-KR" altLang="en-US" sz="1200"/>
+          </a:p>
+        </p:txBody>
+      </p:sp>
+      <p:cxnSp>
+        <p:nvCxnSpPr>
+          <p:cNvPr id="64" name="직선 화살표 연결선 63">
+            <a:extLst>
+              <a:ext uri="{FF2B5EF4-FFF2-40B4-BE49-F238E27FC236}">
+                <a16:creationId xmlns:a16="http://schemas.microsoft.com/office/drawing/2014/main" id="{EE4A8038-134F-4C7F-878C-BBCA51EA3D30}"/>
+              </a:ext>
+            </a:extLst>
+          </p:cNvPr>
+          <p:cNvCxnSpPr>
+            <a:cxnSpLocks/>
+            <a:stCxn id="63" idx="0"/>
+            <a:endCxn id="55" idx="2"/>
+          </p:cNvCxnSpPr>
+          <p:nvPr/>
+        </p:nvCxnSpPr>
+        <p:spPr>
+          <a:xfrm flipH="1" flipV="1">
+            <a:off x="7789056" y="3251041"/>
+            <a:ext cx="671376" cy="328821"/>
+          </a:xfrm>
+          <a:prstGeom prst="straightConnector1">
+            <a:avLst/>
+          </a:prstGeom>
+          <a:ln w="28575">
+            <a:prstDash val="dash"/>
             <a:headEnd type="none" w="med" len="med"/>
             <a:tailEnd type="arrow" w="med" len="med"/>
           </a:ln>
@@ -4853,7 +5205,7 @@
         </p:nvSpPr>
         <p:spPr>
           <a:xfrm>
-            <a:off x="2195736" y="3291830"/>
+            <a:off x="2267744" y="3000375"/>
             <a:ext cx="1008112" cy="510902"/>
           </a:xfrm>
           <a:prstGeom prst="roundRect">
@@ -4880,62 +5232,7 @@
           <a:p>
             <a:pPr algn="ctr"/>
             <a:r>
-              <a:rPr lang="en-US" altLang="ko-KR" sz="1200" err="1"/>
-              <a:t>HashTable</a:t>
-            </a:r>
-            <a:endParaRPr lang="ko-KR" altLang="en-US" sz="1200"/>
-          </a:p>
-        </p:txBody>
-      </p:sp>
-      <p:sp>
-        <p:nvSpPr>
-          <p:cNvPr id="33" name="사각형: 둥근 모서리 32">
-            <a:extLst>
-              <a:ext uri="{FF2B5EF4-FFF2-40B4-BE49-F238E27FC236}">
-                <a16:creationId xmlns:a16="http://schemas.microsoft.com/office/drawing/2014/main" id="{4C00B37B-08C3-4016-8999-14FA08FF4775}"/>
-              </a:ext>
-            </a:extLst>
-          </p:cNvPr>
-          <p:cNvSpPr/>
-          <p:nvPr/>
-        </p:nvSpPr>
-        <p:spPr>
-          <a:xfrm>
-            <a:off x="3419872" y="3291830"/>
-            <a:ext cx="1008112" cy="510902"/>
-          </a:xfrm>
-          <a:prstGeom prst="roundRect">
-            <a:avLst/>
-          </a:prstGeom>
-        </p:spPr>
-        <p:style>
-          <a:lnRef idx="2">
-            <a:schemeClr val="dk1"/>
-          </a:lnRef>
-          <a:fillRef idx="1">
-            <a:schemeClr val="lt1"/>
-          </a:fillRef>
-          <a:effectRef idx="0">
-            <a:schemeClr val="dk1"/>
-          </a:effectRef>
-          <a:fontRef idx="minor">
-            <a:schemeClr val="dk1"/>
-          </a:fontRef>
-        </p:style>
-        <p:txBody>
-          <a:bodyPr rtlCol="0" anchor="ctr"/>
-          <a:lstStyle/>
-          <a:p>
-            <a:pPr algn="ctr"/>
-            <a:r>
               <a:rPr lang="en-US" altLang="ko-KR" sz="1200"/>
-              <a:t>Linked</a:t>
-            </a:r>
-          </a:p>
-          <a:p>
-            <a:pPr algn="ctr"/>
-            <a:r>
-              <a:rPr lang="en-US" altLang="ko-KR" sz="1200" err="1"/>
               <a:t>HashMap</a:t>
             </a:r>
             <a:endParaRPr lang="ko-KR" altLang="en-US" sz="1200"/>
@@ -4956,7 +5253,7 @@
         </p:nvSpPr>
         <p:spPr>
           <a:xfrm>
-            <a:off x="4644008" y="3291830"/>
+            <a:off x="3455876" y="3000375"/>
             <a:ext cx="1008112" cy="510902"/>
           </a:xfrm>
           <a:prstGeom prst="roundRect">
@@ -4983,56 +5280,8 @@
           <a:p>
             <a:pPr algn="ctr"/>
             <a:r>
-              <a:rPr lang="en-US" altLang="ko-KR" sz="1200" err="1"/>
-              <a:t>HashMap</a:t>
-            </a:r>
-            <a:endParaRPr lang="ko-KR" altLang="en-US" sz="1200"/>
-          </a:p>
-        </p:txBody>
-      </p:sp>
-      <p:sp>
-        <p:nvSpPr>
-          <p:cNvPr id="35" name="사각형: 둥근 모서리 34">
-            <a:extLst>
-              <a:ext uri="{FF2B5EF4-FFF2-40B4-BE49-F238E27FC236}">
-                <a16:creationId xmlns:a16="http://schemas.microsoft.com/office/drawing/2014/main" id="{5F7B8C8B-ADAB-4D53-AA1A-8BDD872C4C58}"/>
-              </a:ext>
-            </a:extLst>
-          </p:cNvPr>
-          <p:cNvSpPr/>
-          <p:nvPr/>
-        </p:nvSpPr>
-        <p:spPr>
-          <a:xfrm>
-            <a:off x="5838939" y="3291830"/>
-            <a:ext cx="1008112" cy="510902"/>
-          </a:xfrm>
-          <a:prstGeom prst="roundRect">
-            <a:avLst/>
-          </a:prstGeom>
-        </p:spPr>
-        <p:style>
-          <a:lnRef idx="2">
-            <a:schemeClr val="dk1"/>
-          </a:lnRef>
-          <a:fillRef idx="1">
-            <a:schemeClr val="lt1"/>
-          </a:fillRef>
-          <a:effectRef idx="0">
-            <a:schemeClr val="dk1"/>
-          </a:effectRef>
-          <a:fontRef idx="minor">
-            <a:schemeClr val="dk1"/>
-          </a:fontRef>
-        </p:style>
-        <p:txBody>
-          <a:bodyPr rtlCol="0" anchor="ctr"/>
-          <a:lstStyle/>
-          <a:p>
-            <a:pPr algn="ctr"/>
-            <a:r>
-              <a:rPr lang="en-US" altLang="ko-KR" sz="1200" err="1"/>
-              <a:t>TreeMap</a:t>
+              <a:rPr lang="en-US" altLang="ko-KR" sz="1200"/>
+              <a:t>HashTable</a:t>
             </a:r>
             <a:endParaRPr lang="ko-KR" altLang="en-US" sz="1200"/>
           </a:p>
@@ -5052,7 +5301,7 @@
         </p:nvSpPr>
         <p:spPr>
           <a:xfrm>
-            <a:off x="5076056" y="2204864"/>
+            <a:off x="5832140" y="2126010"/>
             <a:ext cx="1296144" cy="510902"/>
           </a:xfrm>
           <a:prstGeom prst="roundRect">
@@ -5107,7 +5356,7 @@
         </p:nvSpPr>
         <p:spPr>
           <a:xfrm>
-            <a:off x="3923928" y="1337345"/>
+            <a:off x="3923928" y="1265337"/>
             <a:ext cx="1296144" cy="510902"/>
           </a:xfrm>
           <a:prstGeom prst="roundRect">
@@ -5166,14 +5415,14 @@
         </p:nvCxnSpPr>
         <p:spPr>
           <a:xfrm flipH="1" flipV="1">
-            <a:off x="4572000" y="1848247"/>
-            <a:ext cx="1152128" cy="356617"/>
+            <a:off x="4572000" y="1776239"/>
+            <a:ext cx="1908212" cy="349771"/>
           </a:xfrm>
           <a:prstGeom prst="straightConnector1">
             <a:avLst/>
           </a:prstGeom>
           <a:ln w="28575">
-            <a:prstDash val="dash"/>
+            <a:prstDash val="solid"/>
             <a:headEnd type="none" w="med" len="med"/>
             <a:tailEnd type="arrow" w="med" len="med"/>
           </a:ln>
@@ -5211,57 +5460,14 @@
         </p:nvCxnSpPr>
         <p:spPr>
           <a:xfrm flipV="1">
-            <a:off x="2699792" y="1848247"/>
-            <a:ext cx="1872208" cy="1443583"/>
+            <a:off x="2771800" y="1776239"/>
+            <a:ext cx="1800200" cy="1224136"/>
           </a:xfrm>
           <a:prstGeom prst="straightConnector1">
             <a:avLst/>
           </a:prstGeom>
           <a:ln w="28575">
-            <a:headEnd type="none" w="med" len="med"/>
-            <a:tailEnd type="arrow" w="med" len="med"/>
-          </a:ln>
-        </p:spPr>
-        <p:style>
-          <a:lnRef idx="1">
-            <a:schemeClr val="dk1"/>
-          </a:lnRef>
-          <a:fillRef idx="0">
-            <a:schemeClr val="dk1"/>
-          </a:fillRef>
-          <a:effectRef idx="0">
-            <a:schemeClr val="dk1"/>
-          </a:effectRef>
-          <a:fontRef idx="minor">
-            <a:schemeClr val="tx1"/>
-          </a:fontRef>
-        </p:style>
-      </p:cxnSp>
-      <p:cxnSp>
-        <p:nvCxnSpPr>
-          <p:cNvPr id="15" name="직선 화살표 연결선 14">
-            <a:extLst>
-              <a:ext uri="{FF2B5EF4-FFF2-40B4-BE49-F238E27FC236}">
-                <a16:creationId xmlns:a16="http://schemas.microsoft.com/office/drawing/2014/main" id="{28A1AFF0-DF77-4F0E-B335-7D046EBB198E}"/>
-              </a:ext>
-            </a:extLst>
-          </p:cNvPr>
-          <p:cNvCxnSpPr>
-            <a:cxnSpLocks/>
-            <a:stCxn id="33" idx="0"/>
-            <a:endCxn id="17" idx="2"/>
-          </p:cNvCxnSpPr>
-          <p:nvPr/>
-        </p:nvCxnSpPr>
-        <p:spPr>
-          <a:xfrm flipV="1">
-            <a:off x="3923928" y="1848247"/>
-            <a:ext cx="648072" cy="1443583"/>
-          </a:xfrm>
-          <a:prstGeom prst="straightConnector1">
-            <a:avLst/>
-          </a:prstGeom>
-          <a:ln w="28575">
+            <a:prstDash val="dash"/>
             <a:headEnd type="none" w="med" len="med"/>
             <a:tailEnd type="arrow" w="med" len="med"/>
           </a:ln>
@@ -5298,14 +5504,15 @@
           <p:nvPr/>
         </p:nvCxnSpPr>
         <p:spPr>
-          <a:xfrm flipH="1" flipV="1">
-            <a:off x="4572000" y="1848247"/>
-            <a:ext cx="576064" cy="1443583"/>
+          <a:xfrm flipV="1">
+            <a:off x="3959932" y="1776239"/>
+            <a:ext cx="612068" cy="1224136"/>
           </a:xfrm>
           <a:prstGeom prst="straightConnector1">
             <a:avLst/>
           </a:prstGeom>
           <a:ln w="28575">
+            <a:prstDash val="dash"/>
             <a:headEnd type="none" w="med" len="med"/>
             <a:tailEnd type="arrow" w="med" len="med"/>
           </a:ln>
@@ -5336,20 +5543,360 @@
           </p:cNvPr>
           <p:cNvCxnSpPr>
             <a:cxnSpLocks/>
-            <a:stCxn id="35" idx="0"/>
             <a:endCxn id="16" idx="2"/>
           </p:cNvCxnSpPr>
           <p:nvPr/>
         </p:nvCxnSpPr>
         <p:spPr>
-          <a:xfrm flipH="1" flipV="1">
-            <a:off x="5724128" y="2715766"/>
-            <a:ext cx="618867" cy="576064"/>
+          <a:xfrm flipV="1">
+            <a:off x="6480212" y="2636912"/>
+            <a:ext cx="0" cy="356617"/>
           </a:xfrm>
           <a:prstGeom prst="straightConnector1">
             <a:avLst/>
           </a:prstGeom>
           <a:ln w="28575">
+            <a:prstDash val="dash"/>
+            <a:headEnd type="none" w="med" len="med"/>
+            <a:tailEnd type="arrow" w="med" len="med"/>
+          </a:ln>
+        </p:spPr>
+        <p:style>
+          <a:lnRef idx="1">
+            <a:schemeClr val="dk1"/>
+          </a:lnRef>
+          <a:fillRef idx="0">
+            <a:schemeClr val="dk1"/>
+          </a:fillRef>
+          <a:effectRef idx="0">
+            <a:schemeClr val="dk1"/>
+          </a:effectRef>
+          <a:fontRef idx="minor">
+            <a:schemeClr val="tx1"/>
+          </a:fontRef>
+        </p:style>
+      </p:cxnSp>
+      <p:sp>
+        <p:nvSpPr>
+          <p:cNvPr id="14" name="사각형: 둥근 모서리 13">
+            <a:extLst>
+              <a:ext uri="{FF2B5EF4-FFF2-40B4-BE49-F238E27FC236}">
+                <a16:creationId xmlns:a16="http://schemas.microsoft.com/office/drawing/2014/main" id="{A9BE439C-AFE6-4FB5-BFBD-B6A967901763}"/>
+              </a:ext>
+            </a:extLst>
+          </p:cNvPr>
+          <p:cNvSpPr/>
+          <p:nvPr/>
+        </p:nvSpPr>
+        <p:spPr>
+          <a:xfrm>
+            <a:off x="2267744" y="3861048"/>
+            <a:ext cx="1008112" cy="510902"/>
+          </a:xfrm>
+          <a:prstGeom prst="roundRect">
+            <a:avLst/>
+          </a:prstGeom>
+        </p:spPr>
+        <p:style>
+          <a:lnRef idx="2">
+            <a:schemeClr val="dk1"/>
+          </a:lnRef>
+          <a:fillRef idx="1">
+            <a:schemeClr val="lt1"/>
+          </a:fillRef>
+          <a:effectRef idx="0">
+            <a:schemeClr val="dk1"/>
+          </a:effectRef>
+          <a:fontRef idx="minor">
+            <a:schemeClr val="dk1"/>
+          </a:fontRef>
+        </p:style>
+        <p:txBody>
+          <a:bodyPr rtlCol="0" anchor="ctr"/>
+          <a:lstStyle/>
+          <a:p>
+            <a:pPr algn="ctr"/>
+            <a:r>
+              <a:rPr lang="en-US" altLang="ko-KR" sz="1200"/>
+              <a:t>Linked</a:t>
+            </a:r>
+          </a:p>
+          <a:p>
+            <a:pPr algn="ctr"/>
+            <a:r>
+              <a:rPr lang="en-US" altLang="ko-KR" sz="1200" err="1"/>
+              <a:t>HashMap</a:t>
+            </a:r>
+            <a:endParaRPr lang="ko-KR" altLang="en-US" sz="1200"/>
+          </a:p>
+        </p:txBody>
+      </p:sp>
+      <p:cxnSp>
+        <p:nvCxnSpPr>
+          <p:cNvPr id="19" name="직선 화살표 연결선 18">
+            <a:extLst>
+              <a:ext uri="{FF2B5EF4-FFF2-40B4-BE49-F238E27FC236}">
+                <a16:creationId xmlns:a16="http://schemas.microsoft.com/office/drawing/2014/main" id="{499CE3F3-7C34-4059-931D-19CD4A02AA8C}"/>
+              </a:ext>
+            </a:extLst>
+          </p:cNvPr>
+          <p:cNvCxnSpPr>
+            <a:cxnSpLocks/>
+            <a:stCxn id="14" idx="0"/>
+          </p:cNvCxnSpPr>
+          <p:nvPr/>
+        </p:nvCxnSpPr>
+        <p:spPr>
+          <a:xfrm flipV="1">
+            <a:off x="2771800" y="3511277"/>
+            <a:ext cx="0" cy="349771"/>
+          </a:xfrm>
+          <a:prstGeom prst="straightConnector1">
+            <a:avLst/>
+          </a:prstGeom>
+          <a:ln w="28575">
+            <a:prstDash val="solid"/>
+            <a:headEnd type="none" w="med" len="med"/>
+            <a:tailEnd type="arrow" w="med" len="med"/>
+          </a:ln>
+        </p:spPr>
+        <p:style>
+          <a:lnRef idx="1">
+            <a:schemeClr val="dk1"/>
+          </a:lnRef>
+          <a:fillRef idx="0">
+            <a:schemeClr val="dk1"/>
+          </a:fillRef>
+          <a:effectRef idx="0">
+            <a:schemeClr val="dk1"/>
+          </a:effectRef>
+          <a:fontRef idx="minor">
+            <a:schemeClr val="tx1"/>
+          </a:fontRef>
+        </p:style>
+      </p:cxnSp>
+      <p:sp>
+        <p:nvSpPr>
+          <p:cNvPr id="20" name="사각형: 둥근 모서리 19">
+            <a:extLst>
+              <a:ext uri="{FF2B5EF4-FFF2-40B4-BE49-F238E27FC236}">
+                <a16:creationId xmlns:a16="http://schemas.microsoft.com/office/drawing/2014/main" id="{9DF12F89-BDC0-4F32-A2F8-1557DBFADF89}"/>
+              </a:ext>
+            </a:extLst>
+          </p:cNvPr>
+          <p:cNvSpPr/>
+          <p:nvPr/>
+        </p:nvSpPr>
+        <p:spPr>
+          <a:xfrm>
+            <a:off x="4644008" y="3000375"/>
+            <a:ext cx="1008112" cy="510902"/>
+          </a:xfrm>
+          <a:prstGeom prst="roundRect">
+            <a:avLst/>
+          </a:prstGeom>
+        </p:spPr>
+        <p:style>
+          <a:lnRef idx="2">
+            <a:schemeClr val="dk1"/>
+          </a:lnRef>
+          <a:fillRef idx="1">
+            <a:schemeClr val="lt1"/>
+          </a:fillRef>
+          <a:effectRef idx="0">
+            <a:schemeClr val="dk1"/>
+          </a:effectRef>
+          <a:fontRef idx="minor">
+            <a:schemeClr val="dk1"/>
+          </a:fontRef>
+        </p:style>
+        <p:txBody>
+          <a:bodyPr rtlCol="0" anchor="ctr"/>
+          <a:lstStyle/>
+          <a:p>
+            <a:pPr algn="ctr"/>
+            <a:r>
+              <a:rPr lang="en-US" altLang="ko-KR" sz="1200"/>
+              <a:t>EnumMap</a:t>
+            </a:r>
+            <a:endParaRPr lang="ko-KR" altLang="en-US" sz="1200"/>
+          </a:p>
+        </p:txBody>
+      </p:sp>
+      <p:cxnSp>
+        <p:nvCxnSpPr>
+          <p:cNvPr id="22" name="직선 화살표 연결선 21">
+            <a:extLst>
+              <a:ext uri="{FF2B5EF4-FFF2-40B4-BE49-F238E27FC236}">
+                <a16:creationId xmlns:a16="http://schemas.microsoft.com/office/drawing/2014/main" id="{6C5EDF47-1BB8-414D-9917-DD0A51701625}"/>
+              </a:ext>
+            </a:extLst>
+          </p:cNvPr>
+          <p:cNvCxnSpPr>
+            <a:cxnSpLocks/>
+            <a:stCxn id="20" idx="0"/>
+            <a:endCxn id="17" idx="2"/>
+          </p:cNvCxnSpPr>
+          <p:nvPr/>
+        </p:nvCxnSpPr>
+        <p:spPr>
+          <a:xfrm flipH="1" flipV="1">
+            <a:off x="4572000" y="1776239"/>
+            <a:ext cx="576064" cy="1224136"/>
+          </a:xfrm>
+          <a:prstGeom prst="straightConnector1">
+            <a:avLst/>
+          </a:prstGeom>
+          <a:ln w="28575">
+            <a:prstDash val="dash"/>
+            <a:headEnd type="none" w="med" len="med"/>
+            <a:tailEnd type="arrow" w="med" len="med"/>
+          </a:ln>
+        </p:spPr>
+        <p:style>
+          <a:lnRef idx="1">
+            <a:schemeClr val="dk1"/>
+          </a:lnRef>
+          <a:fillRef idx="0">
+            <a:schemeClr val="dk1"/>
+          </a:fillRef>
+          <a:effectRef idx="0">
+            <a:schemeClr val="dk1"/>
+          </a:effectRef>
+          <a:fontRef idx="minor">
+            <a:schemeClr val="tx1"/>
+          </a:fontRef>
+        </p:style>
+      </p:cxnSp>
+      <p:sp>
+        <p:nvSpPr>
+          <p:cNvPr id="24" name="사각형: 둥근 모서리 23">
+            <a:extLst>
+              <a:ext uri="{FF2B5EF4-FFF2-40B4-BE49-F238E27FC236}">
+                <a16:creationId xmlns:a16="http://schemas.microsoft.com/office/drawing/2014/main" id="{F52B7D74-83AA-4091-A4CC-18C94445AA55}"/>
+              </a:ext>
+            </a:extLst>
+          </p:cNvPr>
+          <p:cNvSpPr/>
+          <p:nvPr/>
+        </p:nvSpPr>
+        <p:spPr>
+          <a:xfrm>
+            <a:off x="5976156" y="3861048"/>
+            <a:ext cx="1008112" cy="510902"/>
+          </a:xfrm>
+          <a:prstGeom prst="roundRect">
+            <a:avLst/>
+          </a:prstGeom>
+        </p:spPr>
+        <p:style>
+          <a:lnRef idx="2">
+            <a:schemeClr val="dk1"/>
+          </a:lnRef>
+          <a:fillRef idx="1">
+            <a:schemeClr val="lt1"/>
+          </a:fillRef>
+          <a:effectRef idx="0">
+            <a:schemeClr val="dk1"/>
+          </a:effectRef>
+          <a:fontRef idx="minor">
+            <a:schemeClr val="dk1"/>
+          </a:fontRef>
+        </p:style>
+        <p:txBody>
+          <a:bodyPr rtlCol="0" anchor="ctr"/>
+          <a:lstStyle/>
+          <a:p>
+            <a:pPr algn="ctr"/>
+            <a:r>
+              <a:rPr lang="en-US" altLang="ko-KR" sz="1200" err="1"/>
+              <a:t>TreeMap</a:t>
+            </a:r>
+            <a:endParaRPr lang="ko-KR" altLang="en-US" sz="1200"/>
+          </a:p>
+        </p:txBody>
+      </p:sp>
+      <p:sp>
+        <p:nvSpPr>
+          <p:cNvPr id="25" name="사각형: 둥근 모서리 24">
+            <a:extLst>
+              <a:ext uri="{FF2B5EF4-FFF2-40B4-BE49-F238E27FC236}">
+                <a16:creationId xmlns:a16="http://schemas.microsoft.com/office/drawing/2014/main" id="{0E8F16BF-4CF2-4FED-ABD5-7178C48AA2DA}"/>
+              </a:ext>
+            </a:extLst>
+          </p:cNvPr>
+          <p:cNvSpPr/>
+          <p:nvPr/>
+        </p:nvSpPr>
+        <p:spPr>
+          <a:xfrm>
+            <a:off x="5832140" y="3000375"/>
+            <a:ext cx="1296144" cy="510902"/>
+          </a:xfrm>
+          <a:prstGeom prst="roundRect">
+            <a:avLst/>
+          </a:prstGeom>
+        </p:spPr>
+        <p:style>
+          <a:lnRef idx="2">
+            <a:schemeClr val="dk1"/>
+          </a:lnRef>
+          <a:fillRef idx="1">
+            <a:schemeClr val="lt1"/>
+          </a:fillRef>
+          <a:effectRef idx="0">
+            <a:schemeClr val="dk1"/>
+          </a:effectRef>
+          <a:fontRef idx="minor">
+            <a:schemeClr val="dk1"/>
+          </a:fontRef>
+        </p:style>
+        <p:txBody>
+          <a:bodyPr rtlCol="0" anchor="ctr"/>
+          <a:lstStyle/>
+          <a:p>
+            <a:pPr algn="ctr"/>
+            <a:r>
+              <a:rPr lang="en-US" altLang="ko-KR" sz="1200"/>
+              <a:t>&lt;&lt;Interface&gt;&gt;</a:t>
+            </a:r>
+          </a:p>
+          <a:p>
+            <a:pPr algn="ctr"/>
+            <a:r>
+              <a:rPr lang="en-US" altLang="ko-KR" sz="1200"/>
+              <a:t>NavigableMap</a:t>
+            </a:r>
+            <a:endParaRPr lang="ko-KR" altLang="en-US" sz="1200"/>
+          </a:p>
+        </p:txBody>
+      </p:sp>
+      <p:cxnSp>
+        <p:nvCxnSpPr>
+          <p:cNvPr id="26" name="직선 화살표 연결선 25">
+            <a:extLst>
+              <a:ext uri="{FF2B5EF4-FFF2-40B4-BE49-F238E27FC236}">
+                <a16:creationId xmlns:a16="http://schemas.microsoft.com/office/drawing/2014/main" id="{5F613086-D8D5-4F40-9733-75599C1CD4D7}"/>
+              </a:ext>
+            </a:extLst>
+          </p:cNvPr>
+          <p:cNvCxnSpPr>
+            <a:cxnSpLocks/>
+            <a:stCxn id="24" idx="0"/>
+            <a:endCxn id="25" idx="2"/>
+          </p:cNvCxnSpPr>
+          <p:nvPr/>
+        </p:nvCxnSpPr>
+        <p:spPr>
+          <a:xfrm flipV="1">
+            <a:off x="6480212" y="3511277"/>
+            <a:ext cx="0" cy="349771"/>
+          </a:xfrm>
+          <a:prstGeom prst="straightConnector1">
+            <a:avLst/>
+          </a:prstGeom>
+          <a:ln w="28575">
+            <a:prstDash val="dash"/>
             <a:headEnd type="none" w="med" len="med"/>
             <a:tailEnd type="arrow" w="med" len="med"/>
           </a:ln>
